--- a/ppt/Basics_MapReduce.pptx
+++ b/ppt/Basics_MapReduce.pptx
@@ -307,7 +307,7 @@
           <a:p>
             <a:fld id="{49136EF5-9787-8343-8560-B70909CF1E73}" type="datetimeFigureOut">
               <a:rPr lang="en-US" smtClean="0"/>
-              <a:t>10/26/16</a:t>
+              <a:t>1/26/19</a:t>
             </a:fld>
             <a:endParaRPr lang="en-US"/>
           </a:p>
@@ -477,7 +477,7 @@
           <a:p>
             <a:fld id="{49136EF5-9787-8343-8560-B70909CF1E73}" type="datetimeFigureOut">
               <a:rPr lang="en-US" smtClean="0"/>
-              <a:t>10/26/16</a:t>
+              <a:t>1/26/19</a:t>
             </a:fld>
             <a:endParaRPr lang="en-US"/>
           </a:p>
@@ -657,7 +657,7 @@
           <a:p>
             <a:fld id="{49136EF5-9787-8343-8560-B70909CF1E73}" type="datetimeFigureOut">
               <a:rPr lang="en-US" smtClean="0"/>
-              <a:t>10/26/16</a:t>
+              <a:t>1/26/19</a:t>
             </a:fld>
             <a:endParaRPr lang="en-US"/>
           </a:p>
@@ -827,7 +827,7 @@
           <a:p>
             <a:fld id="{49136EF5-9787-8343-8560-B70909CF1E73}" type="datetimeFigureOut">
               <a:rPr lang="en-US" smtClean="0"/>
-              <a:t>10/26/16</a:t>
+              <a:t>1/26/19</a:t>
             </a:fld>
             <a:endParaRPr lang="en-US"/>
           </a:p>
@@ -1073,7 +1073,7 @@
           <a:p>
             <a:fld id="{49136EF5-9787-8343-8560-B70909CF1E73}" type="datetimeFigureOut">
               <a:rPr lang="en-US" smtClean="0"/>
-              <a:t>10/26/16</a:t>
+              <a:t>1/26/19</a:t>
             </a:fld>
             <a:endParaRPr lang="en-US"/>
           </a:p>
@@ -1361,7 +1361,7 @@
           <a:p>
             <a:fld id="{49136EF5-9787-8343-8560-B70909CF1E73}" type="datetimeFigureOut">
               <a:rPr lang="en-US" smtClean="0"/>
-              <a:t>10/26/16</a:t>
+              <a:t>1/26/19</a:t>
             </a:fld>
             <a:endParaRPr lang="en-US"/>
           </a:p>
@@ -1783,7 +1783,7 @@
           <a:p>
             <a:fld id="{49136EF5-9787-8343-8560-B70909CF1E73}" type="datetimeFigureOut">
               <a:rPr lang="en-US" smtClean="0"/>
-              <a:t>10/26/16</a:t>
+              <a:t>1/26/19</a:t>
             </a:fld>
             <a:endParaRPr lang="en-US"/>
           </a:p>
@@ -1901,7 +1901,7 @@
           <a:p>
             <a:fld id="{49136EF5-9787-8343-8560-B70909CF1E73}" type="datetimeFigureOut">
               <a:rPr lang="en-US" smtClean="0"/>
-              <a:t>10/26/16</a:t>
+              <a:t>1/26/19</a:t>
             </a:fld>
             <a:endParaRPr lang="en-US"/>
           </a:p>
@@ -1996,7 +1996,7 @@
           <a:p>
             <a:fld id="{49136EF5-9787-8343-8560-B70909CF1E73}" type="datetimeFigureOut">
               <a:rPr lang="en-US" smtClean="0"/>
-              <a:t>10/26/16</a:t>
+              <a:t>1/26/19</a:t>
             </a:fld>
             <a:endParaRPr lang="en-US"/>
           </a:p>
@@ -2273,7 +2273,7 @@
           <a:p>
             <a:fld id="{49136EF5-9787-8343-8560-B70909CF1E73}" type="datetimeFigureOut">
               <a:rPr lang="en-US" smtClean="0"/>
-              <a:t>10/26/16</a:t>
+              <a:t>1/26/19</a:t>
             </a:fld>
             <a:endParaRPr lang="en-US"/>
           </a:p>
@@ -2526,7 +2526,7 @@
           <a:p>
             <a:fld id="{49136EF5-9787-8343-8560-B70909CF1E73}" type="datetimeFigureOut">
               <a:rPr lang="en-US" smtClean="0"/>
-              <a:t>10/26/16</a:t>
+              <a:t>1/26/19</a:t>
             </a:fld>
             <a:endParaRPr lang="en-US"/>
           </a:p>
@@ -2739,7 +2739,7 @@
           <a:p>
             <a:fld id="{49136EF5-9787-8343-8560-B70909CF1E73}" type="datetimeFigureOut">
               <a:rPr lang="en-US" smtClean="0"/>
-              <a:t>10/26/16</a:t>
+              <a:t>1/26/19</a:t>
             </a:fld>
             <a:endParaRPr lang="en-US"/>
           </a:p>
@@ -3159,23 +3159,17 @@
           <a:p>
             <a:r>
               <a:rPr lang="en-US" dirty="0" smtClean="0"/>
-              <a:t>An Parallel Processing Pattern</a:t>
-            </a:r>
-          </a:p>
-          <a:p>
-            <a:r>
-              <a:rPr lang="en-US" dirty="0"/>
-              <a:t> </a:t>
-            </a:r>
-            <a:r>
-              <a:rPr lang="en-US" dirty="0" smtClean="0"/>
-              <a:t>   @</a:t>
-            </a:r>
-            <a:r>
-              <a:rPr lang="en-US" dirty="0" err="1" smtClean="0"/>
-              <a:t>BigDataJunkies</a:t>
-            </a:r>
-            <a:endParaRPr lang="en-US" dirty="0"/>
+              <a:t>An Parallel </a:t>
+            </a:r>
+            <a:r>
+              <a:rPr lang="en-US" smtClean="0"/>
+              <a:t>Processing </a:t>
+            </a:r>
+            <a:r>
+              <a:rPr lang="en-US" smtClean="0"/>
+              <a:t>Pattern</a:t>
+            </a:r>
+            <a:endParaRPr lang="en-US" dirty="0" smtClean="0"/>
           </a:p>
         </p:txBody>
       </p:sp>
